--- a/docs/SmartGet.pptx
+++ b/docs/SmartGet.pptx
@@ -23,14 +23,15 @@
     <p:sldId id="272" r:id="rId17"/>
     <p:sldId id="273" r:id="rId18"/>
     <p:sldId id="275" r:id="rId19"/>
-    <p:sldId id="276" r:id="rId20"/>
+    <p:sldId id="284" r:id="rId20"/>
     <p:sldId id="277" r:id="rId21"/>
     <p:sldId id="278" r:id="rId22"/>
     <p:sldId id="280" r:id="rId23"/>
-    <p:sldId id="279" r:id="rId24"/>
+    <p:sldId id="285" r:id="rId24"/>
     <p:sldId id="281" r:id="rId25"/>
     <p:sldId id="282" r:id="rId26"/>
     <p:sldId id="283" r:id="rId27"/>
+    <p:sldId id="286" r:id="rId28"/>
   </p:sldIdLst>
   <p:sldSz cx="9144000" cy="6858000" type="screen4x3"/>
   <p:notesSz cx="6858000" cy="9144000"/>
@@ -206,32 +207,32 @@
                   <c:v>0.1</c:v>
                 </c:pt>
                 <c:pt idx="16">
-                  <c:v>0.6</c:v>
+                  <c:v>0.60000000000000031</c:v>
                 </c:pt>
               </c:numCache>
             </c:numRef>
           </c:val>
         </c:ser>
         <c:marker val="1"/>
-        <c:axId val="108211200"/>
-        <c:axId val="108246144"/>
+        <c:axId val="161060352"/>
+        <c:axId val="161061888"/>
       </c:lineChart>
       <c:catAx>
-        <c:axId val="108211200"/>
+        <c:axId val="161060352"/>
         <c:scaling>
           <c:orientation val="minMax"/>
         </c:scaling>
         <c:axPos val="b"/>
         <c:numFmt formatCode="h:mm" sourceLinked="1"/>
         <c:tickLblPos val="nextTo"/>
-        <c:crossAx val="108246144"/>
+        <c:crossAx val="161061888"/>
         <c:crosses val="autoZero"/>
         <c:auto val="1"/>
         <c:lblAlgn val="ctr"/>
         <c:lblOffset val="100"/>
       </c:catAx>
       <c:valAx>
-        <c:axId val="108246144"/>
+        <c:axId val="161061888"/>
         <c:scaling>
           <c:orientation val="minMax"/>
         </c:scaling>
@@ -239,7 +240,7 @@
         <c:majorGridlines/>
         <c:numFmt formatCode="General" sourceLinked="1"/>
         <c:tickLblPos val="nextTo"/>
-        <c:crossAx val="108211200"/>
+        <c:crossAx val="161060352"/>
         <c:crosses val="autoZero"/>
         <c:crossBetween val="between"/>
       </c:valAx>
@@ -441,7 +442,8 @@
           <a:p>
             <a:fld id="{52618F5D-0CA4-40B1-8EF7-5BAE415334FB}" type="datetimeFigureOut">
               <a:rPr lang="zh-CN" altLang="en-US" smtClean="0"/>
-              <a:t>2011-3-9</a:t>
+              <a:pPr/>
+              <a:t>2011-3-11</a:t>
             </a:fld>
             <a:endParaRPr lang="zh-CN" altLang="en-US"/>
           </a:p>
@@ -483,6 +485,7 @@
           <a:p>
             <a:fld id="{3BE73581-280A-4FDA-9B36-D31DBE7F2237}" type="slidenum">
               <a:rPr lang="zh-CN" altLang="en-US" smtClean="0"/>
+              <a:pPr/>
               <a:t>‹#›</a:t>
             </a:fld>
             <a:endParaRPr lang="zh-CN" altLang="en-US"/>
@@ -606,7 +609,8 @@
           <a:p>
             <a:fld id="{52618F5D-0CA4-40B1-8EF7-5BAE415334FB}" type="datetimeFigureOut">
               <a:rPr lang="zh-CN" altLang="en-US" smtClean="0"/>
-              <a:t>2011-3-9</a:t>
+              <a:pPr/>
+              <a:t>2011-3-11</a:t>
             </a:fld>
             <a:endParaRPr lang="zh-CN" altLang="en-US"/>
           </a:p>
@@ -648,6 +652,7 @@
           <a:p>
             <a:fld id="{3BE73581-280A-4FDA-9B36-D31DBE7F2237}" type="slidenum">
               <a:rPr lang="zh-CN" altLang="en-US" smtClean="0"/>
+              <a:pPr/>
               <a:t>‹#›</a:t>
             </a:fld>
             <a:endParaRPr lang="zh-CN" altLang="en-US"/>
@@ -781,7 +786,8 @@
           <a:p>
             <a:fld id="{52618F5D-0CA4-40B1-8EF7-5BAE415334FB}" type="datetimeFigureOut">
               <a:rPr lang="zh-CN" altLang="en-US" smtClean="0"/>
-              <a:t>2011-3-9</a:t>
+              <a:pPr/>
+              <a:t>2011-3-11</a:t>
             </a:fld>
             <a:endParaRPr lang="zh-CN" altLang="en-US"/>
           </a:p>
@@ -823,6 +829,7 @@
           <a:p>
             <a:fld id="{3BE73581-280A-4FDA-9B36-D31DBE7F2237}" type="slidenum">
               <a:rPr lang="zh-CN" altLang="en-US" smtClean="0"/>
+              <a:pPr/>
               <a:t>‹#›</a:t>
             </a:fld>
             <a:endParaRPr lang="zh-CN" altLang="en-US"/>
@@ -946,7 +953,8 @@
           <a:p>
             <a:fld id="{52618F5D-0CA4-40B1-8EF7-5BAE415334FB}" type="datetimeFigureOut">
               <a:rPr lang="zh-CN" altLang="en-US" smtClean="0"/>
-              <a:t>2011-3-9</a:t>
+              <a:pPr/>
+              <a:t>2011-3-11</a:t>
             </a:fld>
             <a:endParaRPr lang="zh-CN" altLang="en-US"/>
           </a:p>
@@ -988,6 +996,7 @@
           <a:p>
             <a:fld id="{3BE73581-280A-4FDA-9B36-D31DBE7F2237}" type="slidenum">
               <a:rPr lang="zh-CN" altLang="en-US" smtClean="0"/>
+              <a:pPr/>
               <a:t>‹#›</a:t>
             </a:fld>
             <a:endParaRPr lang="zh-CN" altLang="en-US"/>
@@ -1187,7 +1196,8 @@
           <a:p>
             <a:fld id="{52618F5D-0CA4-40B1-8EF7-5BAE415334FB}" type="datetimeFigureOut">
               <a:rPr lang="zh-CN" altLang="en-US" smtClean="0"/>
-              <a:t>2011-3-9</a:t>
+              <a:pPr/>
+              <a:t>2011-3-11</a:t>
             </a:fld>
             <a:endParaRPr lang="zh-CN" altLang="en-US"/>
           </a:p>
@@ -1229,6 +1239,7 @@
           <a:p>
             <a:fld id="{3BE73581-280A-4FDA-9B36-D31DBE7F2237}" type="slidenum">
               <a:rPr lang="zh-CN" altLang="en-US" smtClean="0"/>
+              <a:pPr/>
               <a:t>‹#›</a:t>
             </a:fld>
             <a:endParaRPr lang="zh-CN" altLang="en-US"/>
@@ -1470,7 +1481,8 @@
           <a:p>
             <a:fld id="{52618F5D-0CA4-40B1-8EF7-5BAE415334FB}" type="datetimeFigureOut">
               <a:rPr lang="zh-CN" altLang="en-US" smtClean="0"/>
-              <a:t>2011-3-9</a:t>
+              <a:pPr/>
+              <a:t>2011-3-11</a:t>
             </a:fld>
             <a:endParaRPr lang="zh-CN" altLang="en-US"/>
           </a:p>
@@ -1512,6 +1524,7 @@
           <a:p>
             <a:fld id="{3BE73581-280A-4FDA-9B36-D31DBE7F2237}" type="slidenum">
               <a:rPr lang="zh-CN" altLang="en-US" smtClean="0"/>
+              <a:pPr/>
               <a:t>‹#›</a:t>
             </a:fld>
             <a:endParaRPr lang="zh-CN" altLang="en-US"/>
@@ -1887,7 +1900,8 @@
           <a:p>
             <a:fld id="{52618F5D-0CA4-40B1-8EF7-5BAE415334FB}" type="datetimeFigureOut">
               <a:rPr lang="zh-CN" altLang="en-US" smtClean="0"/>
-              <a:t>2011-3-9</a:t>
+              <a:pPr/>
+              <a:t>2011-3-11</a:t>
             </a:fld>
             <a:endParaRPr lang="zh-CN" altLang="en-US"/>
           </a:p>
@@ -1929,6 +1943,7 @@
           <a:p>
             <a:fld id="{3BE73581-280A-4FDA-9B36-D31DBE7F2237}" type="slidenum">
               <a:rPr lang="zh-CN" altLang="en-US" smtClean="0"/>
+              <a:pPr/>
               <a:t>‹#›</a:t>
             </a:fld>
             <a:endParaRPr lang="zh-CN" altLang="en-US"/>
@@ -2000,7 +2015,8 @@
           <a:p>
             <a:fld id="{52618F5D-0CA4-40B1-8EF7-5BAE415334FB}" type="datetimeFigureOut">
               <a:rPr lang="zh-CN" altLang="en-US" smtClean="0"/>
-              <a:t>2011-3-9</a:t>
+              <a:pPr/>
+              <a:t>2011-3-11</a:t>
             </a:fld>
             <a:endParaRPr lang="zh-CN" altLang="en-US"/>
           </a:p>
@@ -2042,6 +2058,7 @@
           <a:p>
             <a:fld id="{3BE73581-280A-4FDA-9B36-D31DBE7F2237}" type="slidenum">
               <a:rPr lang="zh-CN" altLang="en-US" smtClean="0"/>
+              <a:pPr/>
               <a:t>‹#›</a:t>
             </a:fld>
             <a:endParaRPr lang="zh-CN" altLang="en-US"/>
@@ -2090,7 +2107,8 @@
           <a:p>
             <a:fld id="{52618F5D-0CA4-40B1-8EF7-5BAE415334FB}" type="datetimeFigureOut">
               <a:rPr lang="zh-CN" altLang="en-US" smtClean="0"/>
-              <a:t>2011-3-9</a:t>
+              <a:pPr/>
+              <a:t>2011-3-11</a:t>
             </a:fld>
             <a:endParaRPr lang="zh-CN" altLang="en-US"/>
           </a:p>
@@ -2132,6 +2150,7 @@
           <a:p>
             <a:fld id="{3BE73581-280A-4FDA-9B36-D31DBE7F2237}" type="slidenum">
               <a:rPr lang="zh-CN" altLang="en-US" smtClean="0"/>
+              <a:pPr/>
               <a:t>‹#›</a:t>
             </a:fld>
             <a:endParaRPr lang="zh-CN" altLang="en-US"/>
@@ -2362,7 +2381,8 @@
           <a:p>
             <a:fld id="{52618F5D-0CA4-40B1-8EF7-5BAE415334FB}" type="datetimeFigureOut">
               <a:rPr lang="zh-CN" altLang="en-US" smtClean="0"/>
-              <a:t>2011-3-9</a:t>
+              <a:pPr/>
+              <a:t>2011-3-11</a:t>
             </a:fld>
             <a:endParaRPr lang="zh-CN" altLang="en-US"/>
           </a:p>
@@ -2404,6 +2424,7 @@
           <a:p>
             <a:fld id="{3BE73581-280A-4FDA-9B36-D31DBE7F2237}" type="slidenum">
               <a:rPr lang="zh-CN" altLang="en-US" smtClean="0"/>
+              <a:pPr/>
               <a:t>‹#›</a:t>
             </a:fld>
             <a:endParaRPr lang="zh-CN" altLang="en-US"/>
@@ -2610,7 +2631,8 @@
           <a:p>
             <a:fld id="{52618F5D-0CA4-40B1-8EF7-5BAE415334FB}" type="datetimeFigureOut">
               <a:rPr lang="zh-CN" altLang="en-US" smtClean="0"/>
-              <a:t>2011-3-9</a:t>
+              <a:pPr/>
+              <a:t>2011-3-11</a:t>
             </a:fld>
             <a:endParaRPr lang="zh-CN" altLang="en-US"/>
           </a:p>
@@ -2652,6 +2674,7 @@
           <a:p>
             <a:fld id="{3BE73581-280A-4FDA-9B36-D31DBE7F2237}" type="slidenum">
               <a:rPr lang="zh-CN" altLang="en-US" smtClean="0"/>
+              <a:pPr/>
               <a:t>‹#›</a:t>
             </a:fld>
             <a:endParaRPr lang="zh-CN" altLang="en-US"/>
@@ -2836,7 +2859,8 @@
           <a:p>
             <a:fld id="{52618F5D-0CA4-40B1-8EF7-5BAE415334FB}" type="datetimeFigureOut">
               <a:rPr lang="zh-CN" altLang="en-US" smtClean="0"/>
-              <a:t>2011-3-9</a:t>
+              <a:pPr/>
+              <a:t>2011-3-11</a:t>
             </a:fld>
             <a:endParaRPr lang="zh-CN" altLang="en-US"/>
           </a:p>
@@ -2914,6 +2938,7 @@
           <a:p>
             <a:fld id="{3BE73581-280A-4FDA-9B36-D31DBE7F2237}" type="slidenum">
               <a:rPr lang="zh-CN" altLang="en-US" smtClean="0"/>
+              <a:pPr/>
               <a:t>‹#›</a:t>
             </a:fld>
             <a:endParaRPr lang="zh-CN" altLang="en-US"/>
@@ -3224,14 +3249,14 @@
           <a:lstStyle/>
           <a:p>
             <a:r>
-              <a:rPr lang="en-US" altLang="zh-CN" sz="9600" dirty="0" err="1" smtClean="0">
+              <a:rPr lang="en-US" altLang="zh-CN" sz="11500" dirty="0" err="1" smtClean="0">
                 <a:solidFill>
                   <a:schemeClr val="bg1"/>
                 </a:solidFill>
               </a:rPr>
               <a:t>SmartGet</a:t>
             </a:r>
-            <a:endParaRPr lang="zh-CN" altLang="en-US" sz="9600" dirty="0">
+            <a:endParaRPr lang="zh-CN" altLang="en-US" sz="11500" dirty="0">
               <a:solidFill>
                 <a:schemeClr val="bg1"/>
               </a:solidFill>
@@ -4320,7 +4345,12 @@
             <p:ph type="title"/>
           </p:nvPr>
         </p:nvSpPr>
-        <p:spPr/>
+        <p:spPr>
+          <a:xfrm>
+            <a:off x="457200" y="845840"/>
+            <a:ext cx="8229600" cy="1143000"/>
+          </a:xfrm>
+        </p:spPr>
         <p:txBody>
           <a:bodyPr>
             <a:noAutofit/>
@@ -7583,7 +7613,12 @@
             <p:ph type="title"/>
           </p:nvPr>
         </p:nvSpPr>
-        <p:spPr/>
+        <p:spPr>
+          <a:xfrm>
+            <a:off x="457200" y="845840"/>
+            <a:ext cx="8229600" cy="1143000"/>
+          </a:xfrm>
+        </p:spPr>
         <p:txBody>
           <a:bodyPr>
             <a:noAutofit/>
@@ -8171,7 +8206,12 @@
             <p:ph type="title"/>
           </p:nvPr>
         </p:nvSpPr>
-        <p:spPr/>
+        <p:spPr>
+          <a:xfrm>
+            <a:off x="457200" y="845840"/>
+            <a:ext cx="8229600" cy="1143000"/>
+          </a:xfrm>
+        </p:spPr>
         <p:txBody>
           <a:bodyPr>
             <a:noAutofit/>
@@ -8224,7 +8264,7 @@
             <a:r>
               <a:rPr lang="zh-CN" altLang="en-US" sz="5400" dirty="0" smtClean="0">
                 <a:solidFill>
-                  <a:schemeClr val="bg1"/>
+                  <a:srgbClr val="FFFF00"/>
                 </a:solidFill>
                 <a:latin typeface="微软雅黑" pitchFamily="34" charset="-122"/>
                 <a:ea typeface="微软雅黑" pitchFamily="34" charset="-122"/>
@@ -8233,7 +8273,7 @@
             </a:r>
             <a:endParaRPr lang="en-US" altLang="zh-CN" sz="5400" dirty="0" smtClean="0">
               <a:solidFill>
-                <a:schemeClr val="bg1"/>
+                <a:srgbClr val="FFFF00"/>
               </a:solidFill>
               <a:latin typeface="微软雅黑" pitchFamily="34" charset="-122"/>
               <a:ea typeface="微软雅黑" pitchFamily="34" charset="-122"/>
@@ -8268,7 +8308,7 @@
             <a:r>
               <a:rPr lang="en-US" altLang="zh-CN" sz="5400" dirty="0">
                 <a:solidFill>
-                  <a:srgbClr val="FFFF00"/>
+                  <a:schemeClr val="bg1"/>
                 </a:solidFill>
                 <a:latin typeface="微软雅黑" pitchFamily="34" charset="-122"/>
                 <a:ea typeface="微软雅黑" pitchFamily="34" charset="-122"/>
@@ -8277,7 +8317,7 @@
             </a:r>
             <a:endParaRPr lang="en-US" altLang="zh-CN" sz="5400" dirty="0" smtClean="0">
               <a:solidFill>
-                <a:srgbClr val="FFFF00"/>
+                <a:schemeClr val="bg1"/>
               </a:solidFill>
               <a:latin typeface="微软雅黑" pitchFamily="34" charset="-122"/>
               <a:ea typeface="微软雅黑" pitchFamily="34" charset="-122"/>
@@ -8427,7 +8467,12 @@
             <p:ph type="title"/>
           </p:nvPr>
         </p:nvSpPr>
-        <p:spPr/>
+        <p:spPr>
+          <a:xfrm>
+            <a:off x="457200" y="557808"/>
+            <a:ext cx="8229600" cy="1143000"/>
+          </a:xfrm>
+        </p:spPr>
         <p:txBody>
           <a:bodyPr/>
           <a:lstStyle/>
@@ -8766,6 +8811,87 @@
   <p:clrMapOvr>
     <a:masterClrMapping/>
   </p:clrMapOvr>
+  <p:timing>
+    <p:tnLst>
+      <p:par>
+        <p:cTn id="1" dur="indefinite" restart="never" nodeType="tmRoot"/>
+      </p:par>
+    </p:tnLst>
+  </p:timing>
+</p:sld>
+</file>
+
+<file path=ppt/slides/slide27.xml><?xml version="1.0" encoding="utf-8"?>
+<p:sld xmlns:a="http://schemas.openxmlformats.org/drawingml/2006/main" xmlns:r="http://schemas.openxmlformats.org/officeDocument/2006/relationships" xmlns:p="http://schemas.openxmlformats.org/presentationml/2006/main">
+  <p:cSld>
+    <p:spTree>
+      <p:nvGrpSpPr>
+        <p:cNvPr id="1" name=""/>
+        <p:cNvGrpSpPr/>
+        <p:nvPr/>
+      </p:nvGrpSpPr>
+      <p:grpSpPr>
+        <a:xfrm>
+          <a:off x="0" y="0"/>
+          <a:ext cx="0" cy="0"/>
+          <a:chOff x="0" y="0"/>
+          <a:chExt cx="0" cy="0"/>
+        </a:xfrm>
+      </p:grpSpPr>
+      <p:sp>
+        <p:nvSpPr>
+          <p:cNvPr id="2" name="标题 1"/>
+          <p:cNvSpPr>
+            <a:spLocks noGrp="1"/>
+          </p:cNvSpPr>
+          <p:nvPr>
+            <p:ph type="title"/>
+          </p:nvPr>
+        </p:nvSpPr>
+        <p:spPr>
+          <a:xfrm>
+            <a:off x="457200" y="274638"/>
+            <a:ext cx="8229600" cy="6178698"/>
+          </a:xfrm>
+        </p:spPr>
+        <p:txBody>
+          <a:bodyPr>
+            <a:normAutofit/>
+          </a:bodyPr>
+          <a:lstStyle/>
+          <a:p>
+            <a:r>
+              <a:rPr lang="en-US" altLang="zh-CN" sz="20000" i="1" dirty="0" smtClean="0">
+                <a:solidFill>
+                  <a:schemeClr val="bg1"/>
+                </a:solidFill>
+                <a:latin typeface="Times New Roman" pitchFamily="18" charset="0"/>
+                <a:cs typeface="Times New Roman" pitchFamily="18" charset="0"/>
+              </a:rPr>
+              <a:t>demo</a:t>
+            </a:r>
+            <a:endParaRPr lang="zh-CN" altLang="en-US" sz="20000" i="1" dirty="0">
+              <a:solidFill>
+                <a:schemeClr val="bg1"/>
+              </a:solidFill>
+              <a:latin typeface="Times New Roman" pitchFamily="18" charset="0"/>
+              <a:cs typeface="Times New Roman" pitchFamily="18" charset="0"/>
+            </a:endParaRPr>
+          </a:p>
+        </p:txBody>
+      </p:sp>
+    </p:spTree>
+  </p:cSld>
+  <p:clrMapOvr>
+    <a:masterClrMapping/>
+  </p:clrMapOvr>
+  <p:timing>
+    <p:tnLst>
+      <p:par>
+        <p:cTn id="1" dur="indefinite" restart="never" nodeType="tmRoot"/>
+      </p:par>
+    </p:tnLst>
+  </p:timing>
 </p:sld>
 </file>
 
@@ -8985,159 +9111,48 @@
           </a:p>
         </p:txBody>
       </p:sp>
-      <p:sp>
-        <p:nvSpPr>
-          <p:cNvPr id="5" name="圆角矩形 4"/>
-          <p:cNvSpPr/>
-          <p:nvPr/>
-        </p:nvSpPr>
-        <p:spPr>
-          <a:xfrm>
-            <a:off x="1691680" y="2276872"/>
-            <a:ext cx="3168352" cy="1368152"/>
-          </a:xfrm>
-          <a:prstGeom prst="roundRect">
-            <a:avLst/>
-          </a:prstGeom>
-          <a:noFill/>
-        </p:spPr>
-        <p:style>
-          <a:lnRef idx="2">
-            <a:schemeClr val="accent6"/>
-          </a:lnRef>
-          <a:fillRef idx="1">
-            <a:schemeClr val="lt1"/>
-          </a:fillRef>
-          <a:effectRef idx="0">
-            <a:schemeClr val="accent6"/>
-          </a:effectRef>
-          <a:fontRef idx="minor">
-            <a:schemeClr val="dk1"/>
-          </a:fontRef>
-        </p:style>
-        <p:txBody>
-          <a:bodyPr rtlCol="0" anchor="ctr"/>
-          <a:lstStyle/>
-          <a:p>
-            <a:pPr algn="ctr"/>
-            <a:r>
-              <a:rPr lang="en-US" altLang="zh-CN" sz="6000" dirty="0" smtClean="0">
-                <a:solidFill>
-                  <a:schemeClr val="bg1"/>
-                </a:solidFill>
-              </a:rPr>
-              <a:t>Internet</a:t>
-            </a:r>
-            <a:endParaRPr lang="zh-CN" altLang="en-US" sz="6000" dirty="0">
-              <a:solidFill>
-                <a:schemeClr val="bg1"/>
-              </a:solidFill>
-            </a:endParaRPr>
-          </a:p>
-        </p:txBody>
-      </p:sp>
-      <p:sp>
-        <p:nvSpPr>
-          <p:cNvPr id="7" name="圆角矩形 6"/>
-          <p:cNvSpPr/>
-          <p:nvPr/>
-        </p:nvSpPr>
-        <p:spPr>
-          <a:xfrm>
-            <a:off x="1691680" y="4437112"/>
-            <a:ext cx="3168352" cy="1368152"/>
-          </a:xfrm>
-          <a:prstGeom prst="roundRect">
-            <a:avLst/>
-          </a:prstGeom>
-          <a:noFill/>
-        </p:spPr>
-        <p:style>
-          <a:lnRef idx="2">
-            <a:schemeClr val="accent6"/>
-          </a:lnRef>
-          <a:fillRef idx="1">
-            <a:schemeClr val="lt1"/>
-          </a:fillRef>
-          <a:effectRef idx="0">
-            <a:schemeClr val="accent6"/>
-          </a:effectRef>
-          <a:fontRef idx="minor">
-            <a:schemeClr val="dk1"/>
-          </a:fontRef>
-        </p:style>
-        <p:txBody>
-          <a:bodyPr rtlCol="0" anchor="ctr"/>
-          <a:lstStyle/>
-          <a:p>
-            <a:pPr algn="ctr"/>
-            <a:r>
-              <a:rPr lang="en-US" altLang="zh-CN" sz="6000" dirty="0" smtClean="0">
-                <a:solidFill>
-                  <a:schemeClr val="bg1"/>
-                </a:solidFill>
-              </a:rPr>
-              <a:t>LAN</a:t>
-            </a:r>
-            <a:endParaRPr lang="zh-CN" altLang="en-US" sz="6000" dirty="0">
-              <a:solidFill>
-                <a:schemeClr val="bg1"/>
-              </a:solidFill>
-            </a:endParaRPr>
-          </a:p>
-        </p:txBody>
-      </p:sp>
       <p:grpSp>
         <p:nvGrpSpPr>
-          <p:cNvPr id="20" name="组合 19"/>
+          <p:cNvPr id="17" name="组合 16"/>
           <p:cNvGrpSpPr/>
           <p:nvPr/>
         </p:nvGrpSpPr>
         <p:grpSpPr>
           <a:xfrm>
-            <a:off x="5508104" y="2276872"/>
-            <a:ext cx="1886956" cy="1368152"/>
-            <a:chOff x="4053196" y="2204864"/>
-            <a:chExt cx="1008112" cy="864096"/>
+            <a:off x="1691680" y="2276872"/>
+            <a:ext cx="5703380" cy="1368152"/>
+            <a:chOff x="1691680" y="2276872"/>
+            <a:chExt cx="5703380" cy="1368152"/>
           </a:xfrm>
         </p:grpSpPr>
         <p:sp>
           <p:nvSpPr>
-            <p:cNvPr id="10" name="矩形 9"/>
+            <p:cNvPr id="5" name="圆角矩形 4"/>
             <p:cNvSpPr/>
             <p:nvPr/>
           </p:nvSpPr>
           <p:spPr>
             <a:xfrm>
-              <a:off x="4269220" y="2708920"/>
-              <a:ext cx="144016" cy="360040"/>
+              <a:off x="1691680" y="2276872"/>
+              <a:ext cx="3168352" cy="1368152"/>
             </a:xfrm>
-            <a:prstGeom prst="rect">
+            <a:prstGeom prst="roundRect">
               <a:avLst/>
             </a:prstGeom>
-            <a:solidFill>
-              <a:srgbClr val="FF0000"/>
-            </a:solidFill>
-            <a:ln>
-              <a:solidFill>
-                <a:schemeClr val="bg1"/>
-              </a:solidFill>
-            </a:ln>
+            <a:noFill/>
           </p:spPr>
           <p:style>
             <a:lnRef idx="2">
-              <a:schemeClr val="accent1">
-                <a:shade val="50000"/>
-              </a:schemeClr>
+              <a:schemeClr val="accent6"/>
             </a:lnRef>
             <a:fillRef idx="1">
-              <a:schemeClr val="accent1"/>
+              <a:schemeClr val="lt1"/>
             </a:fillRef>
             <a:effectRef idx="0">
-              <a:schemeClr val="accent1"/>
+              <a:schemeClr val="accent6"/>
             </a:effectRef>
             <a:fontRef idx="minor">
-              <a:schemeClr val="lt1"/>
+              <a:schemeClr val="dk1"/>
             </a:fontRef>
           </p:style>
           <p:txBody>
@@ -9145,45 +9160,314 @@
             <a:lstStyle/>
             <a:p>
               <a:pPr algn="ctr"/>
-              <a:endParaRPr lang="zh-CN" altLang="en-US"/>
+              <a:r>
+                <a:rPr lang="en-US" altLang="zh-CN" sz="6000" dirty="0" smtClean="0">
+                  <a:solidFill>
+                    <a:schemeClr val="bg1"/>
+                  </a:solidFill>
+                </a:rPr>
+                <a:t>Internet</a:t>
+              </a:r>
+              <a:endParaRPr lang="zh-CN" altLang="en-US" sz="6000" dirty="0">
+                <a:solidFill>
+                  <a:schemeClr val="bg1"/>
+                </a:solidFill>
+              </a:endParaRPr>
             </a:p>
           </p:txBody>
         </p:sp>
+        <p:grpSp>
+          <p:nvGrpSpPr>
+            <p:cNvPr id="20" name="组合 19"/>
+            <p:cNvGrpSpPr/>
+            <p:nvPr/>
+          </p:nvGrpSpPr>
+          <p:grpSpPr>
+            <a:xfrm>
+              <a:off x="5508104" y="2276872"/>
+              <a:ext cx="1886956" cy="1368152"/>
+              <a:chOff x="4053196" y="2204864"/>
+              <a:chExt cx="1008112" cy="864096"/>
+            </a:xfrm>
+          </p:grpSpPr>
+          <p:sp>
+            <p:nvSpPr>
+              <p:cNvPr id="10" name="矩形 9"/>
+              <p:cNvSpPr/>
+              <p:nvPr/>
+            </p:nvSpPr>
+            <p:spPr>
+              <a:xfrm>
+                <a:off x="4269220" y="2708920"/>
+                <a:ext cx="144016" cy="360040"/>
+              </a:xfrm>
+              <a:prstGeom prst="rect">
+                <a:avLst/>
+              </a:prstGeom>
+              <a:solidFill>
+                <a:srgbClr val="FF0000"/>
+              </a:solidFill>
+              <a:ln>
+                <a:solidFill>
+                  <a:schemeClr val="bg1"/>
+                </a:solidFill>
+              </a:ln>
+            </p:spPr>
+            <p:style>
+              <a:lnRef idx="2">
+                <a:schemeClr val="accent1">
+                  <a:shade val="50000"/>
+                </a:schemeClr>
+              </a:lnRef>
+              <a:fillRef idx="1">
+                <a:schemeClr val="accent1"/>
+              </a:fillRef>
+              <a:effectRef idx="0">
+                <a:schemeClr val="accent1"/>
+              </a:effectRef>
+              <a:fontRef idx="minor">
+                <a:schemeClr val="lt1"/>
+              </a:fontRef>
+            </p:style>
+            <p:txBody>
+              <a:bodyPr rtlCol="0" anchor="ctr"/>
+              <a:lstStyle/>
+              <a:p>
+                <a:pPr algn="ctr"/>
+                <a:endParaRPr lang="zh-CN" altLang="en-US"/>
+              </a:p>
+            </p:txBody>
+          </p:sp>
+          <p:sp>
+            <p:nvSpPr>
+              <p:cNvPr id="11" name="矩形 10"/>
+              <p:cNvSpPr/>
+              <p:nvPr/>
+            </p:nvSpPr>
+            <p:spPr>
+              <a:xfrm flipH="1">
+                <a:off x="4485244" y="2564904"/>
+                <a:ext cx="144016" cy="504056"/>
+              </a:xfrm>
+              <a:prstGeom prst="rect">
+                <a:avLst/>
+              </a:prstGeom>
+              <a:noFill/>
+              <a:ln>
+                <a:solidFill>
+                  <a:schemeClr val="bg1"/>
+                </a:solidFill>
+              </a:ln>
+            </p:spPr>
+            <p:style>
+              <a:lnRef idx="2">
+                <a:schemeClr val="accent1">
+                  <a:shade val="50000"/>
+                </a:schemeClr>
+              </a:lnRef>
+              <a:fillRef idx="1">
+                <a:schemeClr val="accent1"/>
+              </a:fillRef>
+              <a:effectRef idx="0">
+                <a:schemeClr val="accent1"/>
+              </a:effectRef>
+              <a:fontRef idx="minor">
+                <a:schemeClr val="lt1"/>
+              </a:fontRef>
+            </p:style>
+            <p:txBody>
+              <a:bodyPr rtlCol="0" anchor="ctr"/>
+              <a:lstStyle/>
+              <a:p>
+                <a:pPr algn="ctr"/>
+                <a:endParaRPr lang="zh-CN" altLang="en-US"/>
+              </a:p>
+            </p:txBody>
+          </p:sp>
+          <p:sp>
+            <p:nvSpPr>
+              <p:cNvPr id="12" name="矩形 11"/>
+              <p:cNvSpPr/>
+              <p:nvPr/>
+            </p:nvSpPr>
+            <p:spPr>
+              <a:xfrm flipH="1">
+                <a:off x="4701268" y="2420888"/>
+                <a:ext cx="144016" cy="648072"/>
+              </a:xfrm>
+              <a:prstGeom prst="rect">
+                <a:avLst/>
+              </a:prstGeom>
+              <a:noFill/>
+              <a:ln>
+                <a:solidFill>
+                  <a:schemeClr val="bg1"/>
+                </a:solidFill>
+              </a:ln>
+            </p:spPr>
+            <p:style>
+              <a:lnRef idx="2">
+                <a:schemeClr val="accent1">
+                  <a:shade val="50000"/>
+                </a:schemeClr>
+              </a:lnRef>
+              <a:fillRef idx="1">
+                <a:schemeClr val="accent1"/>
+              </a:fillRef>
+              <a:effectRef idx="0">
+                <a:schemeClr val="accent1"/>
+              </a:effectRef>
+              <a:fontRef idx="minor">
+                <a:schemeClr val="lt1"/>
+              </a:fontRef>
+            </p:style>
+            <p:txBody>
+              <a:bodyPr rtlCol="0" anchor="ctr"/>
+              <a:lstStyle/>
+              <a:p>
+                <a:pPr algn="ctr"/>
+                <a:endParaRPr lang="zh-CN" altLang="en-US"/>
+              </a:p>
+            </p:txBody>
+          </p:sp>
+          <p:sp>
+            <p:nvSpPr>
+              <p:cNvPr id="13" name="矩形 12"/>
+              <p:cNvSpPr/>
+              <p:nvPr/>
+            </p:nvSpPr>
+            <p:spPr>
+              <a:xfrm flipH="1">
+                <a:off x="4917292" y="2204864"/>
+                <a:ext cx="144016" cy="864096"/>
+              </a:xfrm>
+              <a:prstGeom prst="rect">
+                <a:avLst/>
+              </a:prstGeom>
+              <a:noFill/>
+              <a:ln>
+                <a:solidFill>
+                  <a:schemeClr val="bg1"/>
+                </a:solidFill>
+              </a:ln>
+            </p:spPr>
+            <p:style>
+              <a:lnRef idx="2">
+                <a:schemeClr val="accent1">
+                  <a:shade val="50000"/>
+                </a:schemeClr>
+              </a:lnRef>
+              <a:fillRef idx="1">
+                <a:schemeClr val="accent1"/>
+              </a:fillRef>
+              <a:effectRef idx="0">
+                <a:schemeClr val="accent1"/>
+              </a:effectRef>
+              <a:fontRef idx="minor">
+                <a:schemeClr val="lt1"/>
+              </a:fontRef>
+            </p:style>
+            <p:txBody>
+              <a:bodyPr rtlCol="0" anchor="ctr"/>
+              <a:lstStyle/>
+              <a:p>
+                <a:pPr algn="ctr"/>
+                <a:endParaRPr lang="zh-CN" altLang="en-US"/>
+              </a:p>
+            </p:txBody>
+          </p:sp>
+          <p:sp>
+            <p:nvSpPr>
+              <p:cNvPr id="14" name="矩形 13"/>
+              <p:cNvSpPr/>
+              <p:nvPr/>
+            </p:nvSpPr>
+            <p:spPr>
+              <a:xfrm>
+                <a:off x="4053196" y="2852936"/>
+                <a:ext cx="144016" cy="216024"/>
+              </a:xfrm>
+              <a:prstGeom prst="rect">
+                <a:avLst/>
+              </a:prstGeom>
+              <a:solidFill>
+                <a:srgbClr val="FF0000"/>
+              </a:solidFill>
+              <a:ln>
+                <a:solidFill>
+                  <a:schemeClr val="bg1"/>
+                </a:solidFill>
+              </a:ln>
+            </p:spPr>
+            <p:style>
+              <a:lnRef idx="2">
+                <a:schemeClr val="accent1">
+                  <a:shade val="50000"/>
+                </a:schemeClr>
+              </a:lnRef>
+              <a:fillRef idx="1">
+                <a:schemeClr val="accent1"/>
+              </a:fillRef>
+              <a:effectRef idx="0">
+                <a:schemeClr val="accent1"/>
+              </a:effectRef>
+              <a:fontRef idx="minor">
+                <a:schemeClr val="lt1"/>
+              </a:fontRef>
+            </p:style>
+            <p:txBody>
+              <a:bodyPr rtlCol="0" anchor="ctr"/>
+              <a:lstStyle/>
+              <a:p>
+                <a:pPr algn="ctr"/>
+                <a:endParaRPr lang="zh-CN" altLang="en-US"/>
+              </a:p>
+            </p:txBody>
+          </p:sp>
+        </p:grpSp>
+      </p:grpSp>
+      <p:grpSp>
+        <p:nvGrpSpPr>
+          <p:cNvPr id="18" name="组合 17"/>
+          <p:cNvGrpSpPr/>
+          <p:nvPr/>
+        </p:nvGrpSpPr>
+        <p:grpSpPr>
+          <a:xfrm>
+            <a:off x="1691680" y="4365104"/>
+            <a:ext cx="5688632" cy="1440160"/>
+            <a:chOff x="1691680" y="4365104"/>
+            <a:chExt cx="5688632" cy="1440160"/>
+          </a:xfrm>
+        </p:grpSpPr>
         <p:sp>
           <p:nvSpPr>
-            <p:cNvPr id="11" name="矩形 10"/>
+            <p:cNvPr id="7" name="圆角矩形 6"/>
             <p:cNvSpPr/>
             <p:nvPr/>
           </p:nvSpPr>
           <p:spPr>
-            <a:xfrm flipH="1">
-              <a:off x="4485244" y="2564904"/>
-              <a:ext cx="144016" cy="504056"/>
+            <a:xfrm>
+              <a:off x="1691680" y="4437112"/>
+              <a:ext cx="3168352" cy="1368152"/>
             </a:xfrm>
-            <a:prstGeom prst="rect">
+            <a:prstGeom prst="roundRect">
               <a:avLst/>
             </a:prstGeom>
             <a:noFill/>
-            <a:ln>
-              <a:solidFill>
-                <a:schemeClr val="bg1"/>
-              </a:solidFill>
-            </a:ln>
           </p:spPr>
           <p:style>
             <a:lnRef idx="2">
-              <a:schemeClr val="accent1">
-                <a:shade val="50000"/>
-              </a:schemeClr>
+              <a:schemeClr val="accent6"/>
             </a:lnRef>
             <a:fillRef idx="1">
-              <a:schemeClr val="accent1"/>
+              <a:schemeClr val="lt1"/>
             </a:fillRef>
             <a:effectRef idx="0">
-              <a:schemeClr val="accent1"/>
+              <a:schemeClr val="accent6"/>
             </a:effectRef>
             <a:fontRef idx="minor">
-              <a:schemeClr val="lt1"/>
+              <a:schemeClr val="dk1"/>
             </a:fontRef>
           </p:style>
           <p:txBody>
@@ -9191,405 +9475,277 @@
             <a:lstStyle/>
             <a:p>
               <a:pPr algn="ctr"/>
-              <a:endParaRPr lang="zh-CN" altLang="en-US"/>
+              <a:r>
+                <a:rPr lang="en-US" altLang="zh-CN" sz="6000" dirty="0" smtClean="0">
+                  <a:solidFill>
+                    <a:schemeClr val="bg1"/>
+                  </a:solidFill>
+                </a:rPr>
+                <a:t>LAN</a:t>
+              </a:r>
+              <a:endParaRPr lang="zh-CN" altLang="en-US" sz="6000" dirty="0">
+                <a:solidFill>
+                  <a:schemeClr val="bg1"/>
+                </a:solidFill>
+              </a:endParaRPr>
             </a:p>
           </p:txBody>
         </p:sp>
-        <p:sp>
-          <p:nvSpPr>
-            <p:cNvPr id="12" name="矩形 11"/>
-            <p:cNvSpPr/>
+        <p:grpSp>
+          <p:nvGrpSpPr>
+            <p:cNvPr id="22" name="组合 21"/>
+            <p:cNvGrpSpPr/>
             <p:nvPr/>
-          </p:nvSpPr>
-          <p:spPr>
-            <a:xfrm flipH="1">
-              <a:off x="4701268" y="2420888"/>
-              <a:ext cx="144016" cy="648072"/>
+          </p:nvGrpSpPr>
+          <p:grpSpPr>
+            <a:xfrm>
+              <a:off x="5508104" y="4365104"/>
+              <a:ext cx="1872208" cy="1368152"/>
+              <a:chOff x="4053196" y="4365104"/>
+              <a:chExt cx="1008112" cy="864096"/>
             </a:xfrm>
-            <a:prstGeom prst="rect">
-              <a:avLst/>
-            </a:prstGeom>
-            <a:noFill/>
-            <a:ln>
+          </p:grpSpPr>
+          <p:sp>
+            <p:nvSpPr>
+              <p:cNvPr id="23" name="矩形 22"/>
+              <p:cNvSpPr/>
+              <p:nvPr/>
+            </p:nvSpPr>
+            <p:spPr>
+              <a:xfrm>
+                <a:off x="4269220" y="4869160"/>
+                <a:ext cx="144016" cy="360040"/>
+              </a:xfrm>
+              <a:prstGeom prst="rect">
+                <a:avLst/>
+              </a:prstGeom>
               <a:solidFill>
-                <a:schemeClr val="bg1"/>
+                <a:srgbClr val="00FF00"/>
               </a:solidFill>
-            </a:ln>
-          </p:spPr>
-          <p:style>
-            <a:lnRef idx="2">
-              <a:schemeClr val="accent1">
-                <a:shade val="50000"/>
-              </a:schemeClr>
-            </a:lnRef>
-            <a:fillRef idx="1">
-              <a:schemeClr val="accent1"/>
-            </a:fillRef>
-            <a:effectRef idx="0">
-              <a:schemeClr val="accent1"/>
-            </a:effectRef>
-            <a:fontRef idx="minor">
-              <a:schemeClr val="lt1"/>
-            </a:fontRef>
-          </p:style>
-          <p:txBody>
-            <a:bodyPr rtlCol="0" anchor="ctr"/>
-            <a:lstStyle/>
-            <a:p>
-              <a:pPr algn="ctr"/>
-              <a:endParaRPr lang="zh-CN" altLang="en-US"/>
-            </a:p>
-          </p:txBody>
-        </p:sp>
-        <p:sp>
-          <p:nvSpPr>
-            <p:cNvPr id="13" name="矩形 12"/>
-            <p:cNvSpPr/>
-            <p:nvPr/>
-          </p:nvSpPr>
-          <p:spPr>
-            <a:xfrm flipH="1">
-              <a:off x="4917292" y="2204864"/>
-              <a:ext cx="144016" cy="864096"/>
-            </a:xfrm>
-            <a:prstGeom prst="rect">
-              <a:avLst/>
-            </a:prstGeom>
-            <a:noFill/>
-            <a:ln>
+              <a:ln>
+                <a:solidFill>
+                  <a:schemeClr val="bg1"/>
+                </a:solidFill>
+              </a:ln>
+            </p:spPr>
+            <p:style>
+              <a:lnRef idx="2">
+                <a:schemeClr val="accent1">
+                  <a:shade val="50000"/>
+                </a:schemeClr>
+              </a:lnRef>
+              <a:fillRef idx="1">
+                <a:schemeClr val="accent1"/>
+              </a:fillRef>
+              <a:effectRef idx="0">
+                <a:schemeClr val="accent1"/>
+              </a:effectRef>
+              <a:fontRef idx="minor">
+                <a:schemeClr val="lt1"/>
+              </a:fontRef>
+            </p:style>
+            <p:txBody>
+              <a:bodyPr rtlCol="0" anchor="ctr"/>
+              <a:lstStyle/>
+              <a:p>
+                <a:pPr algn="ctr"/>
+                <a:endParaRPr lang="zh-CN" altLang="en-US"/>
+              </a:p>
+            </p:txBody>
+          </p:sp>
+          <p:sp>
+            <p:nvSpPr>
+              <p:cNvPr id="24" name="矩形 23"/>
+              <p:cNvSpPr/>
+              <p:nvPr/>
+            </p:nvSpPr>
+            <p:spPr>
+              <a:xfrm flipH="1">
+                <a:off x="4485244" y="4725144"/>
+                <a:ext cx="144016" cy="504056"/>
+              </a:xfrm>
+              <a:prstGeom prst="rect">
+                <a:avLst/>
+              </a:prstGeom>
               <a:solidFill>
-                <a:schemeClr val="bg1"/>
+                <a:srgbClr val="00FF00"/>
               </a:solidFill>
-            </a:ln>
-          </p:spPr>
-          <p:style>
-            <a:lnRef idx="2">
-              <a:schemeClr val="accent1">
-                <a:shade val="50000"/>
-              </a:schemeClr>
-            </a:lnRef>
-            <a:fillRef idx="1">
-              <a:schemeClr val="accent1"/>
-            </a:fillRef>
-            <a:effectRef idx="0">
-              <a:schemeClr val="accent1"/>
-            </a:effectRef>
-            <a:fontRef idx="minor">
-              <a:schemeClr val="lt1"/>
-            </a:fontRef>
-          </p:style>
-          <p:txBody>
-            <a:bodyPr rtlCol="0" anchor="ctr"/>
-            <a:lstStyle/>
-            <a:p>
-              <a:pPr algn="ctr"/>
-              <a:endParaRPr lang="zh-CN" altLang="en-US"/>
-            </a:p>
-          </p:txBody>
-        </p:sp>
-        <p:sp>
-          <p:nvSpPr>
-            <p:cNvPr id="14" name="矩形 13"/>
-            <p:cNvSpPr/>
-            <p:nvPr/>
-          </p:nvSpPr>
-          <p:spPr>
-            <a:xfrm>
-              <a:off x="4053196" y="2852936"/>
-              <a:ext cx="144016" cy="216024"/>
-            </a:xfrm>
-            <a:prstGeom prst="rect">
-              <a:avLst/>
-            </a:prstGeom>
-            <a:solidFill>
-              <a:srgbClr val="FF0000"/>
-            </a:solidFill>
-            <a:ln>
+              <a:ln>
+                <a:solidFill>
+                  <a:schemeClr val="bg1"/>
+                </a:solidFill>
+              </a:ln>
+            </p:spPr>
+            <p:style>
+              <a:lnRef idx="2">
+                <a:schemeClr val="accent1">
+                  <a:shade val="50000"/>
+                </a:schemeClr>
+              </a:lnRef>
+              <a:fillRef idx="1">
+                <a:schemeClr val="accent1"/>
+              </a:fillRef>
+              <a:effectRef idx="0">
+                <a:schemeClr val="accent1"/>
+              </a:effectRef>
+              <a:fontRef idx="minor">
+                <a:schemeClr val="lt1"/>
+              </a:fontRef>
+            </p:style>
+            <p:txBody>
+              <a:bodyPr rtlCol="0" anchor="ctr"/>
+              <a:lstStyle/>
+              <a:p>
+                <a:pPr algn="ctr"/>
+                <a:endParaRPr lang="zh-CN" altLang="en-US"/>
+              </a:p>
+            </p:txBody>
+          </p:sp>
+          <p:sp>
+            <p:nvSpPr>
+              <p:cNvPr id="25" name="矩形 24"/>
+              <p:cNvSpPr/>
+              <p:nvPr/>
+            </p:nvSpPr>
+            <p:spPr>
+              <a:xfrm flipH="1">
+                <a:off x="4701268" y="4581128"/>
+                <a:ext cx="144016" cy="648072"/>
+              </a:xfrm>
+              <a:prstGeom prst="rect">
+                <a:avLst/>
+              </a:prstGeom>
               <a:solidFill>
-                <a:schemeClr val="bg1"/>
+                <a:srgbClr val="00FF00"/>
               </a:solidFill>
-            </a:ln>
-          </p:spPr>
-          <p:style>
-            <a:lnRef idx="2">
-              <a:schemeClr val="accent1">
-                <a:shade val="50000"/>
-              </a:schemeClr>
-            </a:lnRef>
-            <a:fillRef idx="1">
-              <a:schemeClr val="accent1"/>
-            </a:fillRef>
-            <a:effectRef idx="0">
-              <a:schemeClr val="accent1"/>
-            </a:effectRef>
-            <a:fontRef idx="minor">
-              <a:schemeClr val="lt1"/>
-            </a:fontRef>
-          </p:style>
-          <p:txBody>
-            <a:bodyPr rtlCol="0" anchor="ctr"/>
-            <a:lstStyle/>
-            <a:p>
-              <a:pPr algn="ctr"/>
-              <a:endParaRPr lang="zh-CN" altLang="en-US"/>
-            </a:p>
-          </p:txBody>
-        </p:sp>
-      </p:grpSp>
-      <p:grpSp>
-        <p:nvGrpSpPr>
-          <p:cNvPr id="22" name="组合 21"/>
-          <p:cNvGrpSpPr/>
-          <p:nvPr/>
-        </p:nvGrpSpPr>
-        <p:grpSpPr>
-          <a:xfrm>
-            <a:off x="5508104" y="4365104"/>
-            <a:ext cx="1872208" cy="1368152"/>
-            <a:chOff x="4053196" y="4365104"/>
-            <a:chExt cx="1008112" cy="864096"/>
-          </a:xfrm>
-        </p:grpSpPr>
-        <p:sp>
-          <p:nvSpPr>
-            <p:cNvPr id="23" name="矩形 22"/>
-            <p:cNvSpPr/>
-            <p:nvPr/>
-          </p:nvSpPr>
-          <p:spPr>
-            <a:xfrm>
-              <a:off x="4269220" y="4869160"/>
-              <a:ext cx="144016" cy="360040"/>
-            </a:xfrm>
-            <a:prstGeom prst="rect">
-              <a:avLst/>
-            </a:prstGeom>
-            <a:solidFill>
-              <a:srgbClr val="00FF00"/>
-            </a:solidFill>
-            <a:ln>
+              <a:ln>
+                <a:solidFill>
+                  <a:schemeClr val="bg1"/>
+                </a:solidFill>
+              </a:ln>
+            </p:spPr>
+            <p:style>
+              <a:lnRef idx="2">
+                <a:schemeClr val="accent1">
+                  <a:shade val="50000"/>
+                </a:schemeClr>
+              </a:lnRef>
+              <a:fillRef idx="1">
+                <a:schemeClr val="accent1"/>
+              </a:fillRef>
+              <a:effectRef idx="0">
+                <a:schemeClr val="accent1"/>
+              </a:effectRef>
+              <a:fontRef idx="minor">
+                <a:schemeClr val="lt1"/>
+              </a:fontRef>
+            </p:style>
+            <p:txBody>
+              <a:bodyPr rtlCol="0" anchor="ctr"/>
+              <a:lstStyle/>
+              <a:p>
+                <a:pPr algn="ctr"/>
+                <a:endParaRPr lang="zh-CN" altLang="en-US"/>
+              </a:p>
+            </p:txBody>
+          </p:sp>
+          <p:sp>
+            <p:nvSpPr>
+              <p:cNvPr id="26" name="矩形 25"/>
+              <p:cNvSpPr/>
+              <p:nvPr/>
+            </p:nvSpPr>
+            <p:spPr>
+              <a:xfrm flipH="1">
+                <a:off x="4917292" y="4365104"/>
+                <a:ext cx="144016" cy="864096"/>
+              </a:xfrm>
+              <a:prstGeom prst="rect">
+                <a:avLst/>
+              </a:prstGeom>
               <a:solidFill>
-                <a:schemeClr val="bg1"/>
+                <a:srgbClr val="00FF00"/>
               </a:solidFill>
-            </a:ln>
-          </p:spPr>
-          <p:style>
-            <a:lnRef idx="2">
-              <a:schemeClr val="accent1">
-                <a:shade val="50000"/>
-              </a:schemeClr>
-            </a:lnRef>
-            <a:fillRef idx="1">
-              <a:schemeClr val="accent1"/>
-            </a:fillRef>
-            <a:effectRef idx="0">
-              <a:schemeClr val="accent1"/>
-            </a:effectRef>
-            <a:fontRef idx="minor">
-              <a:schemeClr val="lt1"/>
-            </a:fontRef>
-          </p:style>
-          <p:txBody>
-            <a:bodyPr rtlCol="0" anchor="ctr"/>
-            <a:lstStyle/>
-            <a:p>
-              <a:pPr algn="ctr"/>
-              <a:endParaRPr lang="zh-CN" altLang="en-US"/>
-            </a:p>
-          </p:txBody>
-        </p:sp>
-        <p:sp>
-          <p:nvSpPr>
-            <p:cNvPr id="24" name="矩形 23"/>
-            <p:cNvSpPr/>
-            <p:nvPr/>
-          </p:nvSpPr>
-          <p:spPr>
-            <a:xfrm flipH="1">
-              <a:off x="4485244" y="4725144"/>
-              <a:ext cx="144016" cy="504056"/>
-            </a:xfrm>
-            <a:prstGeom prst="rect">
-              <a:avLst/>
-            </a:prstGeom>
-            <a:solidFill>
-              <a:srgbClr val="00FF00"/>
-            </a:solidFill>
-            <a:ln>
+              <a:ln>
+                <a:solidFill>
+                  <a:schemeClr val="bg1"/>
+                </a:solidFill>
+              </a:ln>
+            </p:spPr>
+            <p:style>
+              <a:lnRef idx="2">
+                <a:schemeClr val="accent1">
+                  <a:shade val="50000"/>
+                </a:schemeClr>
+              </a:lnRef>
+              <a:fillRef idx="1">
+                <a:schemeClr val="accent1"/>
+              </a:fillRef>
+              <a:effectRef idx="0">
+                <a:schemeClr val="accent1"/>
+              </a:effectRef>
+              <a:fontRef idx="minor">
+                <a:schemeClr val="lt1"/>
+              </a:fontRef>
+            </p:style>
+            <p:txBody>
+              <a:bodyPr rtlCol="0" anchor="ctr"/>
+              <a:lstStyle/>
+              <a:p>
+                <a:pPr algn="ctr"/>
+                <a:endParaRPr lang="zh-CN" altLang="en-US"/>
+              </a:p>
+            </p:txBody>
+          </p:sp>
+          <p:sp>
+            <p:nvSpPr>
+              <p:cNvPr id="27" name="矩形 26"/>
+              <p:cNvSpPr/>
+              <p:nvPr/>
+            </p:nvSpPr>
+            <p:spPr>
+              <a:xfrm>
+                <a:off x="4053196" y="5013176"/>
+                <a:ext cx="144016" cy="216024"/>
+              </a:xfrm>
+              <a:prstGeom prst="rect">
+                <a:avLst/>
+              </a:prstGeom>
               <a:solidFill>
-                <a:schemeClr val="bg1"/>
+                <a:srgbClr val="00FF00"/>
               </a:solidFill>
-            </a:ln>
-          </p:spPr>
-          <p:style>
-            <a:lnRef idx="2">
-              <a:schemeClr val="accent1">
-                <a:shade val="50000"/>
-              </a:schemeClr>
-            </a:lnRef>
-            <a:fillRef idx="1">
-              <a:schemeClr val="accent1"/>
-            </a:fillRef>
-            <a:effectRef idx="0">
-              <a:schemeClr val="accent1"/>
-            </a:effectRef>
-            <a:fontRef idx="minor">
-              <a:schemeClr val="lt1"/>
-            </a:fontRef>
-          </p:style>
-          <p:txBody>
-            <a:bodyPr rtlCol="0" anchor="ctr"/>
-            <a:lstStyle/>
-            <a:p>
-              <a:pPr algn="ctr"/>
-              <a:endParaRPr lang="zh-CN" altLang="en-US"/>
-            </a:p>
-          </p:txBody>
-        </p:sp>
-        <p:sp>
-          <p:nvSpPr>
-            <p:cNvPr id="25" name="矩形 24"/>
-            <p:cNvSpPr/>
-            <p:nvPr/>
-          </p:nvSpPr>
-          <p:spPr>
-            <a:xfrm flipH="1">
-              <a:off x="4701268" y="4581128"/>
-              <a:ext cx="144016" cy="648072"/>
-            </a:xfrm>
-            <a:prstGeom prst="rect">
-              <a:avLst/>
-            </a:prstGeom>
-            <a:solidFill>
-              <a:srgbClr val="00FF00"/>
-            </a:solidFill>
-            <a:ln>
-              <a:solidFill>
-                <a:schemeClr val="bg1"/>
-              </a:solidFill>
-            </a:ln>
-          </p:spPr>
-          <p:style>
-            <a:lnRef idx="2">
-              <a:schemeClr val="accent1">
-                <a:shade val="50000"/>
-              </a:schemeClr>
-            </a:lnRef>
-            <a:fillRef idx="1">
-              <a:schemeClr val="accent1"/>
-            </a:fillRef>
-            <a:effectRef idx="0">
-              <a:schemeClr val="accent1"/>
-            </a:effectRef>
-            <a:fontRef idx="minor">
-              <a:schemeClr val="lt1"/>
-            </a:fontRef>
-          </p:style>
-          <p:txBody>
-            <a:bodyPr rtlCol="0" anchor="ctr"/>
-            <a:lstStyle/>
-            <a:p>
-              <a:pPr algn="ctr"/>
-              <a:endParaRPr lang="zh-CN" altLang="en-US"/>
-            </a:p>
-          </p:txBody>
-        </p:sp>
-        <p:sp>
-          <p:nvSpPr>
-            <p:cNvPr id="26" name="矩形 25"/>
-            <p:cNvSpPr/>
-            <p:nvPr/>
-          </p:nvSpPr>
-          <p:spPr>
-            <a:xfrm flipH="1">
-              <a:off x="4917292" y="4365104"/>
-              <a:ext cx="144016" cy="864096"/>
-            </a:xfrm>
-            <a:prstGeom prst="rect">
-              <a:avLst/>
-            </a:prstGeom>
-            <a:solidFill>
-              <a:srgbClr val="00FF00"/>
-            </a:solidFill>
-            <a:ln>
-              <a:solidFill>
-                <a:schemeClr val="bg1"/>
-              </a:solidFill>
-            </a:ln>
-          </p:spPr>
-          <p:style>
-            <a:lnRef idx="2">
-              <a:schemeClr val="accent1">
-                <a:shade val="50000"/>
-              </a:schemeClr>
-            </a:lnRef>
-            <a:fillRef idx="1">
-              <a:schemeClr val="accent1"/>
-            </a:fillRef>
-            <a:effectRef idx="0">
-              <a:schemeClr val="accent1"/>
-            </a:effectRef>
-            <a:fontRef idx="minor">
-              <a:schemeClr val="lt1"/>
-            </a:fontRef>
-          </p:style>
-          <p:txBody>
-            <a:bodyPr rtlCol="0" anchor="ctr"/>
-            <a:lstStyle/>
-            <a:p>
-              <a:pPr algn="ctr"/>
-              <a:endParaRPr lang="zh-CN" altLang="en-US"/>
-            </a:p>
-          </p:txBody>
-        </p:sp>
-        <p:sp>
-          <p:nvSpPr>
-            <p:cNvPr id="27" name="矩形 26"/>
-            <p:cNvSpPr/>
-            <p:nvPr/>
-          </p:nvSpPr>
-          <p:spPr>
-            <a:xfrm>
-              <a:off x="4053196" y="5013176"/>
-              <a:ext cx="144016" cy="216024"/>
-            </a:xfrm>
-            <a:prstGeom prst="rect">
-              <a:avLst/>
-            </a:prstGeom>
-            <a:solidFill>
-              <a:srgbClr val="00FF00"/>
-            </a:solidFill>
-            <a:ln>
-              <a:solidFill>
-                <a:schemeClr val="bg1"/>
-              </a:solidFill>
-            </a:ln>
-          </p:spPr>
-          <p:style>
-            <a:lnRef idx="2">
-              <a:schemeClr val="accent1">
-                <a:shade val="50000"/>
-              </a:schemeClr>
-            </a:lnRef>
-            <a:fillRef idx="1">
-              <a:schemeClr val="accent1"/>
-            </a:fillRef>
-            <a:effectRef idx="0">
-              <a:schemeClr val="accent1"/>
-            </a:effectRef>
-            <a:fontRef idx="minor">
-              <a:schemeClr val="lt1"/>
-            </a:fontRef>
-          </p:style>
-          <p:txBody>
-            <a:bodyPr rtlCol="0" anchor="ctr"/>
-            <a:lstStyle/>
-            <a:p>
-              <a:pPr algn="ctr"/>
-              <a:endParaRPr lang="zh-CN" altLang="en-US"/>
-            </a:p>
-          </p:txBody>
-        </p:sp>
+              <a:ln>
+                <a:solidFill>
+                  <a:schemeClr val="bg1"/>
+                </a:solidFill>
+              </a:ln>
+            </p:spPr>
+            <p:style>
+              <a:lnRef idx="2">
+                <a:schemeClr val="accent1">
+                  <a:shade val="50000"/>
+                </a:schemeClr>
+              </a:lnRef>
+              <a:fillRef idx="1">
+                <a:schemeClr val="accent1"/>
+              </a:fillRef>
+              <a:effectRef idx="0">
+                <a:schemeClr val="accent1"/>
+              </a:effectRef>
+              <a:fontRef idx="minor">
+                <a:schemeClr val="lt1"/>
+              </a:fontRef>
+            </p:style>
+            <p:txBody>
+              <a:bodyPr rtlCol="0" anchor="ctr"/>
+              <a:lstStyle/>
+              <a:p>
+                <a:pPr algn="ctr"/>
+                <a:endParaRPr lang="zh-CN" altLang="en-US"/>
+              </a:p>
+            </p:txBody>
+          </p:sp>
+        </p:grpSp>
       </p:grpSp>
     </p:spTree>
   </p:cSld>
@@ -9599,7 +9755,136 @@
   <p:timing>
     <p:tnLst>
       <p:par>
-        <p:cTn id="1" dur="indefinite" restart="never" nodeType="tmRoot"/>
+        <p:cTn id="1" dur="indefinite" restart="never" nodeType="tmRoot">
+          <p:childTnLst>
+            <p:seq concurrent="1" nextAc="seek">
+              <p:cTn id="2" dur="indefinite" nodeType="mainSeq">
+                <p:childTnLst>
+                  <p:par>
+                    <p:cTn id="3" fill="hold">
+                      <p:stCondLst>
+                        <p:cond delay="indefinite"/>
+                      </p:stCondLst>
+                      <p:childTnLst>
+                        <p:par>
+                          <p:cTn id="4" fill="hold">
+                            <p:stCondLst>
+                              <p:cond delay="0"/>
+                            </p:stCondLst>
+                            <p:childTnLst>
+                              <p:par>
+                                <p:cTn id="5" presetID="10" presetClass="entr" presetSubtype="0" fill="hold" nodeType="clickEffect">
+                                  <p:stCondLst>
+                                    <p:cond delay="0"/>
+                                  </p:stCondLst>
+                                  <p:childTnLst>
+                                    <p:set>
+                                      <p:cBhvr>
+                                        <p:cTn id="6" dur="1" fill="hold">
+                                          <p:stCondLst>
+                                            <p:cond delay="0"/>
+                                          </p:stCondLst>
+                                        </p:cTn>
+                                        <p:tgtEl>
+                                          <p:spTgt spid="17"/>
+                                        </p:tgtEl>
+                                        <p:attrNameLst>
+                                          <p:attrName>style.visibility</p:attrName>
+                                        </p:attrNameLst>
+                                      </p:cBhvr>
+                                      <p:to>
+                                        <p:strVal val="visible"/>
+                                      </p:to>
+                                    </p:set>
+                                    <p:animEffect transition="in" filter="fade">
+                                      <p:cBhvr>
+                                        <p:cTn id="7" dur="500"/>
+                                        <p:tgtEl>
+                                          <p:spTgt spid="17"/>
+                                        </p:tgtEl>
+                                      </p:cBhvr>
+                                    </p:animEffect>
+                                  </p:childTnLst>
+                                </p:cTn>
+                              </p:par>
+                            </p:childTnLst>
+                          </p:cTn>
+                        </p:par>
+                      </p:childTnLst>
+                    </p:cTn>
+                  </p:par>
+                  <p:par>
+                    <p:cTn id="8" fill="hold">
+                      <p:stCondLst>
+                        <p:cond delay="indefinite"/>
+                      </p:stCondLst>
+                      <p:childTnLst>
+                        <p:par>
+                          <p:cTn id="9" fill="hold">
+                            <p:stCondLst>
+                              <p:cond delay="0"/>
+                            </p:stCondLst>
+                            <p:childTnLst>
+                              <p:par>
+                                <p:cTn id="10" presetID="10" presetClass="entr" presetSubtype="0" fill="hold" nodeType="clickEffect">
+                                  <p:stCondLst>
+                                    <p:cond delay="0"/>
+                                  </p:stCondLst>
+                                  <p:childTnLst>
+                                    <p:set>
+                                      <p:cBhvr>
+                                        <p:cTn id="11" dur="1" fill="hold">
+                                          <p:stCondLst>
+                                            <p:cond delay="0"/>
+                                          </p:stCondLst>
+                                        </p:cTn>
+                                        <p:tgtEl>
+                                          <p:spTgt spid="18"/>
+                                        </p:tgtEl>
+                                        <p:attrNameLst>
+                                          <p:attrName>style.visibility</p:attrName>
+                                        </p:attrNameLst>
+                                      </p:cBhvr>
+                                      <p:to>
+                                        <p:strVal val="visible"/>
+                                      </p:to>
+                                    </p:set>
+                                    <p:animEffect transition="in" filter="fade">
+                                      <p:cBhvr>
+                                        <p:cTn id="12" dur="500"/>
+                                        <p:tgtEl>
+                                          <p:spTgt spid="18"/>
+                                        </p:tgtEl>
+                                      </p:cBhvr>
+                                    </p:animEffect>
+                                  </p:childTnLst>
+                                </p:cTn>
+                              </p:par>
+                            </p:childTnLst>
+                          </p:cTn>
+                        </p:par>
+                      </p:childTnLst>
+                    </p:cTn>
+                  </p:par>
+                </p:childTnLst>
+              </p:cTn>
+              <p:prevCondLst>
+                <p:cond evt="onPrev" delay="0">
+                  <p:tgtEl>
+                    <p:sldTgt/>
+                  </p:tgtEl>
+                </p:cond>
+              </p:prevCondLst>
+              <p:nextCondLst>
+                <p:cond evt="onNext" delay="0">
+                  <p:tgtEl>
+                    <p:sldTgt/>
+                  </p:tgtEl>
+                </p:cond>
+              </p:nextCondLst>
+            </p:seq>
+          </p:childTnLst>
+        </p:cTn>
       </p:par>
     </p:tnLst>
   </p:timing>
